--- a/slide/oop-section04.pptx
+++ b/slide/oop-section04.pptx
@@ -121,6 +121,11 @@
       </a:defRPr>
     </a:lvl9pPr>
   </p:defaultTextStyle>
+  <p:extLst>
+    <p:ext uri="{EFAFB233-063F-42B5-8137-9DF3F51BA10A}">
+      <p15:sldGuideLst xmlns:p15="http://schemas.microsoft.com/office/powerpoint/2012/main"/>
+    </p:ext>
+  </p:extLst>
 </p:presentation>
 </file>
 
@@ -219,7 +224,7 @@
           <a:effectLst/>
           <a:extLst>
             <a:ext uri="{91240B29-F687-4f45-9708-019B960494DF}">
-              <a14:hiddenLine xmlns:a14="http://schemas.microsoft.com/office/drawing/2010/main" xmlns="" w="9525">
+              <a14:hiddenLine xmlns="" xmlns:a14="http://schemas.microsoft.com/office/drawing/2010/main" w="9525">
                 <a:solidFill>
                   <a:srgbClr val="000000"/>
                 </a:solidFill>
@@ -412,7 +417,7 @@
             <a:fld id="{08B9EBBA-996F-894A-B54A-D6246ED52CEA}" type="datetimeFigureOut">
               <a:rPr lang="en-US" dirty="0"/>
               <a:pPr/>
-              <a:t>7/18/2019</a:t>
+              <a:t>7/19/2019</a:t>
             </a:fld>
             <a:endParaRPr lang="en-US" dirty="0"/>
           </a:p>
@@ -727,7 +732,7 @@
             <a:fld id="{18C79C5D-2A6F-F04D-97DA-BEF2467B64E4}" type="datetimeFigureOut">
               <a:rPr lang="en-US" dirty="0"/>
               <a:pPr/>
-              <a:t>7/18/2019</a:t>
+              <a:t>7/19/2019</a:t>
             </a:fld>
             <a:endParaRPr lang="en-US" dirty="0"/>
           </a:p>
@@ -1212,7 +1217,7 @@
             <a:fld id="{8DFA1846-DA80-1C48-A609-854EA85C59AD}" type="datetimeFigureOut">
               <a:rPr lang="en-US" dirty="0"/>
               <a:pPr/>
-              <a:t>7/18/2019</a:t>
+              <a:t>7/19/2019</a:t>
             </a:fld>
             <a:endParaRPr lang="en-US" dirty="0"/>
           </a:p>
@@ -1578,7 +1583,7 @@
             <a:fld id="{FBF54567-0DE4-3F47-BF90-CB84690072F9}" type="datetimeFigureOut">
               <a:rPr lang="en-US" dirty="0"/>
               <a:pPr/>
-              <a:t>7/18/2019</a:t>
+              <a:t>7/19/2019</a:t>
             </a:fld>
             <a:endParaRPr lang="en-US" dirty="0"/>
           </a:p>
@@ -1729,7 +1734,7 @@
           <a:ln/>
           <a:extLst>
             <a:ext uri="{91240B29-F687-4f45-9708-019B960494DF}">
-              <a14:hiddenLine xmlns:a14="http://schemas.microsoft.com/office/drawing/2010/main" xmlns="" w="9525">
+              <a14:hiddenLine xmlns="" xmlns:a14="http://schemas.microsoft.com/office/drawing/2010/main" w="9525">
                 <a:solidFill>
                   <a:srgbClr val="000000"/>
                 </a:solidFill>
@@ -1848,7 +1853,7 @@
             <a:fld id="{C6C52C72-DE31-F449-A4ED-4C594FD91407}" type="datetimeFigureOut">
               <a:rPr lang="en-US" dirty="0"/>
               <a:pPr/>
-              <a:t>7/18/2019</a:t>
+              <a:t>7/19/2019</a:t>
             </a:fld>
             <a:endParaRPr lang="en-US" dirty="0"/>
           </a:p>
@@ -2001,7 +2006,7 @@
           <a:ln/>
           <a:extLst>
             <a:ext uri="{91240B29-F687-4f45-9708-019B960494DF}">
-              <a14:hiddenLine xmlns:a14="http://schemas.microsoft.com/office/drawing/2010/main" xmlns="" w="9525">
+              <a14:hiddenLine xmlns="" xmlns:a14="http://schemas.microsoft.com/office/drawing/2010/main" w="9525">
                 <a:solidFill>
                   <a:srgbClr val="000000"/>
                 </a:solidFill>
@@ -2130,7 +2135,7 @@
             <a:fld id="{ED62726E-379B-B349-9EED-81ED093FA806}" type="datetimeFigureOut">
               <a:rPr lang="en-US" dirty="0"/>
               <a:pPr/>
-              <a:t>7/18/2019</a:t>
+              <a:t>7/19/2019</a:t>
             </a:fld>
             <a:endParaRPr lang="en-US" dirty="0"/>
           </a:p>
@@ -2281,7 +2286,7 @@
           <a:ln/>
           <a:extLst>
             <a:ext uri="{91240B29-F687-4f45-9708-019B960494DF}">
-              <a14:hiddenLine xmlns:a14="http://schemas.microsoft.com/office/drawing/2010/main" xmlns="" w="9525">
+              <a14:hiddenLine xmlns="" xmlns:a14="http://schemas.microsoft.com/office/drawing/2010/main" w="9525">
                 <a:solidFill>
                   <a:srgbClr val="000000"/>
                 </a:solidFill>
@@ -2410,7 +2415,7 @@
             <a:fld id="{9B3A1323-8D79-1946-B0D7-40001CF92E9D}" type="datetimeFigureOut">
               <a:rPr lang="en-US" dirty="0"/>
               <a:pPr/>
-              <a:t>7/18/2019</a:t>
+              <a:t>7/19/2019</a:t>
             </a:fld>
             <a:endParaRPr lang="en-US" dirty="0"/>
           </a:p>
@@ -2750,7 +2755,7 @@
             <a:fld id="{8DFA1846-DA80-1C48-A609-854EA85C59AD}" type="datetimeFigureOut">
               <a:rPr lang="en-US" dirty="0"/>
               <a:pPr/>
-              <a:t>7/18/2019</a:t>
+              <a:t>7/19/2019</a:t>
             </a:fld>
             <a:endParaRPr lang="en-US" dirty="0"/>
           </a:p>
@@ -2901,7 +2906,7 @@
           <a:ln/>
           <a:extLst>
             <a:ext uri="{91240B29-F687-4f45-9708-019B960494DF}">
-              <a14:hiddenLine xmlns:a14="http://schemas.microsoft.com/office/drawing/2010/main" xmlns="" w="9525">
+              <a14:hiddenLine xmlns="" xmlns:a14="http://schemas.microsoft.com/office/drawing/2010/main" w="9525">
                 <a:solidFill>
                   <a:srgbClr val="000000"/>
                 </a:solidFill>
@@ -3086,7 +3091,7 @@
             <a:fld id="{57302355-E14B-8545-A8F8-0FE83CC9D524}" type="datetimeFigureOut">
               <a:rPr lang="en-US" dirty="0"/>
               <a:pPr/>
-              <a:t>7/18/2019</a:t>
+              <a:t>7/19/2019</a:t>
             </a:fld>
             <a:endParaRPr lang="en-US" dirty="0"/>
           </a:p>
@@ -3237,7 +3242,7 @@
           <a:ln/>
           <a:extLst>
             <a:ext uri="{91240B29-F687-4f45-9708-019B960494DF}">
-              <a14:hiddenLine xmlns:a14="http://schemas.microsoft.com/office/drawing/2010/main" xmlns="" w="9525">
+              <a14:hiddenLine xmlns="" xmlns:a14="http://schemas.microsoft.com/office/drawing/2010/main" w="9525">
                 <a:solidFill>
                   <a:srgbClr val="000000"/>
                 </a:solidFill>
@@ -3560,7 +3565,7 @@
             <a:fld id="{02640F58-564D-2B4F-AE67-E407BA4FCF45}" type="datetimeFigureOut">
               <a:rPr lang="en-US" dirty="0"/>
               <a:pPr/>
-              <a:t>7/18/2019</a:t>
+              <a:t>7/19/2019</a:t>
             </a:fld>
             <a:endParaRPr lang="en-US" dirty="0"/>
           </a:p>
@@ -3711,7 +3716,7 @@
           <a:ln/>
           <a:extLst>
             <a:ext uri="{91240B29-F687-4f45-9708-019B960494DF}">
-              <a14:hiddenLine xmlns:a14="http://schemas.microsoft.com/office/drawing/2010/main" xmlns="" w="9525">
+              <a14:hiddenLine xmlns="" xmlns:a14="http://schemas.microsoft.com/office/drawing/2010/main" w="9525">
                 <a:solidFill>
                   <a:srgbClr val="000000"/>
                 </a:solidFill>
@@ -3778,7 +3783,7 @@
             <a:fld id="{F13A34C8-038E-2045-AF43-DF7DBB8E0E9E}" type="datetimeFigureOut">
               <a:rPr lang="en-US" dirty="0"/>
               <a:pPr/>
-              <a:t>7/18/2019</a:t>
+              <a:t>7/19/2019</a:t>
             </a:fld>
             <a:endParaRPr lang="en-US" dirty="0"/>
           </a:p>
@@ -3870,7 +3875,7 @@
             <a:fld id="{8818C68F-D26B-8F47-958C-23B49CF8A634}" type="datetimeFigureOut">
               <a:rPr lang="en-US" dirty="0"/>
               <a:pPr/>
-              <a:t>7/18/2019</a:t>
+              <a:t>7/19/2019</a:t>
             </a:fld>
             <a:endParaRPr lang="en-US" dirty="0"/>
           </a:p>
@@ -4134,7 +4139,7 @@
           <a:ln/>
           <a:extLst>
             <a:ext uri="{91240B29-F687-4f45-9708-019B960494DF}">
-              <a14:hiddenLine xmlns:a14="http://schemas.microsoft.com/office/drawing/2010/main" xmlns="" w="9525">
+              <a14:hiddenLine xmlns="" xmlns:a14="http://schemas.microsoft.com/office/drawing/2010/main" w="9525">
                 <a:solidFill>
                   <a:srgbClr val="000000"/>
                 </a:solidFill>
@@ -4334,7 +4339,7 @@
             <a:fld id="{D0DF5E60-9974-AC48-9591-99C2BB44B7CF}" type="datetimeFigureOut">
               <a:rPr lang="en-US" dirty="0"/>
               <a:pPr/>
-              <a:t>7/18/2019</a:t>
+              <a:t>7/19/2019</a:t>
             </a:fld>
             <a:endParaRPr lang="en-US" dirty="0"/>
           </a:p>
@@ -4644,7 +4649,7 @@
             <a:fld id="{18C79C5D-2A6F-F04D-97DA-BEF2467B64E4}" type="datetimeFigureOut">
               <a:rPr lang="en-US" dirty="0"/>
               <a:pPr/>
-              <a:t>7/18/2019</a:t>
+              <a:t>7/19/2019</a:t>
             </a:fld>
             <a:endParaRPr lang="en-US" dirty="0"/>
           </a:p>
@@ -4911,7 +4916,7 @@
             <a:fld id="{09B482E8-6E0E-1B4F-B1FD-C69DB9E858D9}" type="datetimeFigureOut">
               <a:rPr lang="en-US" dirty="0"/>
               <a:pPr/>
-              <a:t>7/18/2019</a:t>
+              <a:t>7/19/2019</a:t>
             </a:fld>
             <a:endParaRPr lang="en-US" dirty="0"/>
           </a:p>
@@ -6717,7 +6722,34 @@
           <a:bodyPr/>
           <a:lstStyle/>
           <a:p>
-            <a:endParaRPr lang="en-US"/>
+            <a:r>
+              <a:rPr lang="en-US" dirty="0"/>
+              <a:t>Encapsulation</a:t>
+            </a:r>
+          </a:p>
+          <a:p>
+            <a:r>
+              <a:rPr lang="en-US" dirty="0"/>
+              <a:t>Association</a:t>
+            </a:r>
+          </a:p>
+          <a:p>
+            <a:r>
+              <a:rPr lang="en-US" dirty="0"/>
+              <a:t>Aggregation</a:t>
+            </a:r>
+          </a:p>
+          <a:p>
+            <a:r>
+              <a:rPr lang="en-US" dirty="0"/>
+              <a:t>Composition</a:t>
+            </a:r>
+          </a:p>
+          <a:p>
+            <a:r>
+              <a:rPr lang="en-US" dirty="0"/>
+              <a:t>CRC</a:t>
+            </a:r>
           </a:p>
         </p:txBody>
       </p:sp>
